--- a/courses/zu/cse321b/files/lecture_10.pptx
+++ b/courses/zu/cse321b/files/lecture_10.pptx
@@ -7845,17 +7845,21 @@
             <a:pPr algn="ctr"/>
             <a:r>
               <a:rPr lang="en-US" altLang="en-US"/>
-              <a:t>Chapter 9. Computer Arithmetic (</a:t>
-            </a:r>
-            <a:r>
-              <a:rPr lang="en-US" altLang="en-US" i="1"/>
+              <a:t>Chapter 10. </a:t>
+            </a:r>
+            <a:r>
+              <a:rPr lang="en-US" altLang="en-US" dirty="0"/>
+              <a:t>Computer Arithmetic (</a:t>
+            </a:r>
+            <a:r>
+              <a:rPr lang="en-US" altLang="en-US" i="1" dirty="0"/>
               <a:t>Cont.</a:t>
             </a:r>
             <a:r>
-              <a:rPr lang="en-US" altLang="en-US"/>
+              <a:rPr lang="en-US" altLang="en-US" dirty="0"/>
               <a:t>)</a:t>
             </a:r>
-            <a:endParaRPr lang="en-US" altLang="en-US" i="1"/>
+            <a:endParaRPr lang="en-US" altLang="en-US" i="1" dirty="0"/>
           </a:p>
         </p:txBody>
       </p:sp>
